--- a/08 - ML Modeling in Practice/ML Modeling in Practice.pptx
+++ b/08 - ML Modeling in Practice/ML Modeling in Practice.pptx
@@ -16,7 +16,7 @@
     <p:sldId id="502" r:id="rId7"/>
     <p:sldId id="434" r:id="rId8"/>
     <p:sldId id="503" r:id="rId9"/>
-    <p:sldId id="500" r:id="rId10"/>
+    <p:sldId id="504" r:id="rId10"/>
   </p:sldIdLst>
   <p:sldSz cx="12192000" cy="6858000"/>
   <p:notesSz cx="6858000" cy="9144000"/>
@@ -254,7 +254,7 @@
       <p15:sldGuideLst xmlns:p15="http://schemas.microsoft.com/office/powerpoint/2012/main"/>
     </p:ext>
     <p:ext uri="http://customooxmlschemas.google.com/">
-      <go:slidesCustomData xmlns="" xmlns:mc="http://schemas.openxmlformats.org/markup-compatibility/2006" xmlns:mv="urn:schemas-microsoft-com:mac:vml" xmlns:c="http://schemas.openxmlformats.org/drawingml/2006/chart" xmlns:dgm="http://schemas.openxmlformats.org/drawingml/2006/diagram" xmlns:o="urn:schemas-microsoft-com:office:office" xmlns:v="urn:schemas-microsoft-com:vml" xmlns:pvml="urn:schemas-microsoft-com:office:powerpoint" xmlns:com="http://schemas.openxmlformats.org/drawingml/2006/compatibility" xmlns:p14="http://schemas.microsoft.com/office/powerpoint/2010/main" xmlns:p15="http://schemas.microsoft.com/office/powerpoint/2012/main" xmlns:go="http://customooxmlschemas.google.com/" r:id="rId54" roundtripDataSignature="AMtx7mjFyVUGRZWio+dc9dxzYsimUxNJbg=="/>
+      <go:slidesCustomData xmlns:go="http://customooxmlschemas.google.com/" xmlns:p15="http://schemas.microsoft.com/office/powerpoint/2012/main" xmlns:p14="http://schemas.microsoft.com/office/powerpoint/2010/main" xmlns:com="http://schemas.openxmlformats.org/drawingml/2006/compatibility" xmlns:pvml="urn:schemas-microsoft-com:office:powerpoint" xmlns:v="urn:schemas-microsoft-com:vml" xmlns:o="urn:schemas-microsoft-com:office:office" xmlns:dgm="http://schemas.openxmlformats.org/drawingml/2006/diagram" xmlns:c="http://schemas.openxmlformats.org/drawingml/2006/chart" xmlns:mv="urn:schemas-microsoft-com:mac:vml" xmlns:mc="http://schemas.openxmlformats.org/markup-compatibility/2006" xmlns="" r:id="rId54" roundtripDataSignature="AMtx7mjFyVUGRZWio+dc9dxzYsimUxNJbg=="/>
     </p:ext>
   </p:extLst>
 </p:presentation>
@@ -10401,6 +10401,18 @@
             <a:endParaRPr lang="en-US" dirty="0"/>
           </a:p>
           <a:p>
+            <a:r>
+              <a:rPr lang="en-US" dirty="0"/>
+              <a:t>Wednesday team check-ins</a:t>
+            </a:r>
+          </a:p>
+          <a:p>
+            <a:r>
+              <a:rPr lang="en-US" dirty="0"/>
+              <a:t>Thursday </a:t>
+            </a:r>
+          </a:p>
+          <a:p>
             <a:pPr marL="76200" indent="0">
               <a:buNone/>
             </a:pPr>
@@ -10416,10 +10428,26 @@
             </a:r>
           </a:p>
           <a:p>
-            <a:pPr marL="76200" indent="0">
-              <a:buNone/>
-            </a:pPr>
-            <a:endParaRPr lang="en-US" b="1" dirty="0"/>
+            <a:r>
+              <a:rPr lang="en-US" dirty="0"/>
+              <a:t>Monday: Update 3 (on Canvas): v0 Baseline Results and Features</a:t>
+            </a:r>
+          </a:p>
+          <a:p>
+            <a:r>
+              <a:rPr lang="en-US" dirty="0"/>
+              <a:t>Tuesday: Feedback Form</a:t>
+            </a:r>
+          </a:p>
+          <a:p>
+            <a:r>
+              <a:rPr lang="en-US" dirty="0">
+                <a:solidFill>
+                  <a:srgbClr val="C00000"/>
+                </a:solidFill>
+              </a:rPr>
+              <a:t>Midterm Update Presentations (Tuesday and Thursday)</a:t>
+            </a:r>
           </a:p>
         </p:txBody>
       </p:sp>
@@ -11336,10 +11364,10 @@
       </p:sp>
       <p:sp>
         <p:nvSpPr>
-          <p:cNvPr id="4" name="Text Placeholder 3">
+          <p:cNvPr id="5" name="Text Placeholder 4">
             <a:extLst>
               <a:ext uri="{FF2B5EF4-FFF2-40B4-BE49-F238E27FC236}">
-                <a16:creationId xmlns:a16="http://schemas.microsoft.com/office/drawing/2014/main" id="{01D76B46-F3B0-6D4C-8B50-739385D1CE57}"/>
+                <a16:creationId xmlns:a16="http://schemas.microsoft.com/office/drawing/2014/main" id="{F4E0A5F0-1D89-954D-91FB-596CD9E690F2}"/>
               </a:ext>
             </a:extLst>
           </p:cNvPr>
@@ -11355,14 +11383,70 @@
           <a:bodyPr/>
           <a:lstStyle/>
           <a:p>
-            <a:endParaRPr lang="en-US"/>
+            <a:pPr marL="76200" indent="0">
+              <a:buNone/>
+            </a:pPr>
+            <a:r>
+              <a:rPr lang="en-US" b="1" dirty="0"/>
+              <a:t>This week:</a:t>
+            </a:r>
+            <a:endParaRPr lang="en-US" dirty="0"/>
+          </a:p>
+          <a:p>
+            <a:r>
+              <a:rPr lang="en-US" dirty="0"/>
+              <a:t>Wednesday team check-ins</a:t>
+            </a:r>
+          </a:p>
+          <a:p>
+            <a:r>
+              <a:rPr lang="en-US" dirty="0"/>
+              <a:t>Thursday </a:t>
+            </a:r>
+          </a:p>
+          <a:p>
+            <a:pPr marL="76200" indent="0">
+              <a:buNone/>
+            </a:pPr>
+            <a:endParaRPr lang="en-US" dirty="0"/>
+          </a:p>
+          <a:p>
+            <a:pPr marL="76200" indent="0">
+              <a:buNone/>
+            </a:pPr>
+            <a:r>
+              <a:rPr lang="en-US" b="1" dirty="0"/>
+              <a:t>Coming up next week:</a:t>
+            </a:r>
+          </a:p>
+          <a:p>
+            <a:r>
+              <a:rPr lang="en-US" dirty="0"/>
+              <a:t>Monday: Update 3 (on Canvas): v0 Baseline Results and Features</a:t>
+            </a:r>
+          </a:p>
+          <a:p>
+            <a:r>
+              <a:rPr lang="en-US" dirty="0"/>
+              <a:t>Tuesday: Feedback Form</a:t>
+            </a:r>
+          </a:p>
+          <a:p>
+            <a:r>
+              <a:rPr lang="en-US" dirty="0">
+                <a:solidFill>
+                  <a:srgbClr val="C00000"/>
+                </a:solidFill>
+              </a:rPr>
+              <a:t>Midterm Update Presentations (Tuesday and Thursday)</a:t>
+            </a:r>
           </a:p>
         </p:txBody>
       </p:sp>
     </p:spTree>
     <p:extLst>
       <p:ext uri="{BB962C8B-B14F-4D97-AF65-F5344CB8AC3E}">
-        <p14:creationId xmlns:p14="http://schemas.microsoft.com/office/powerpoint/2010/main" val="3677511058"/>
+        <p14:creationId xmlns:p14="http://schemas.microsoft.com/office/powerpoint/2010/main" val="2158547317"/>
       </p:ext>
     </p:extLst>
   </p:cSld>

--- a/08 - ML Modeling in Practice/ML Modeling in Practice.pptx
+++ b/08 - ML Modeling in Practice/ML Modeling in Practice.pptx
@@ -254,7 +254,7 @@
       <p15:sldGuideLst xmlns:p15="http://schemas.microsoft.com/office/powerpoint/2012/main"/>
     </p:ext>
     <p:ext uri="http://customooxmlschemas.google.com/">
-      <go:slidesCustomData xmlns:go="http://customooxmlschemas.google.com/" xmlns:p15="http://schemas.microsoft.com/office/powerpoint/2012/main" xmlns:p14="http://schemas.microsoft.com/office/powerpoint/2010/main" xmlns:com="http://schemas.openxmlformats.org/drawingml/2006/compatibility" xmlns:pvml="urn:schemas-microsoft-com:office:powerpoint" xmlns:v="urn:schemas-microsoft-com:vml" xmlns:o="urn:schemas-microsoft-com:office:office" xmlns:dgm="http://schemas.openxmlformats.org/drawingml/2006/diagram" xmlns:c="http://schemas.openxmlformats.org/drawingml/2006/chart" xmlns:mv="urn:schemas-microsoft-com:mac:vml" xmlns:mc="http://schemas.openxmlformats.org/markup-compatibility/2006" xmlns="" r:id="rId54" roundtripDataSignature="AMtx7mjFyVUGRZWio+dc9dxzYsimUxNJbg=="/>
+      <go:slidesCustomData xmlns="" xmlns:mc="http://schemas.openxmlformats.org/markup-compatibility/2006" xmlns:mv="urn:schemas-microsoft-com:mac:vml" xmlns:c="http://schemas.openxmlformats.org/drawingml/2006/chart" xmlns:dgm="http://schemas.openxmlformats.org/drawingml/2006/diagram" xmlns:o="urn:schemas-microsoft-com:office:office" xmlns:v="urn:schemas-microsoft-com:vml" xmlns:pvml="urn:schemas-microsoft-com:office:powerpoint" xmlns:com="http://schemas.openxmlformats.org/drawingml/2006/compatibility" xmlns:p14="http://schemas.microsoft.com/office/powerpoint/2010/main" xmlns:p15="http://schemas.microsoft.com/office/powerpoint/2012/main" xmlns:go="http://customooxmlschemas.google.com/" r:id="rId54" roundtripDataSignature="AMtx7mjFyVUGRZWio+dc9dxzYsimUxNJbg=="/>
     </p:ext>
   </p:extLst>
 </p:presentation>
@@ -10440,6 +10440,29 @@
             </a:r>
           </a:p>
           <a:p>
+            <a:pPr marL="76200" indent="0">
+              <a:buNone/>
+            </a:pPr>
+            <a:endParaRPr lang="en-US" dirty="0">
+              <a:solidFill>
+                <a:srgbClr val="C00000"/>
+              </a:solidFill>
+            </a:endParaRPr>
+          </a:p>
+          <a:p>
+            <a:pPr marL="76200" indent="0">
+              <a:buNone/>
+            </a:pPr>
+            <a:r>
+              <a:rPr lang="en-US" b="1" dirty="0">
+                <a:solidFill>
+                  <a:schemeClr val="bg2"/>
+                </a:solidFill>
+              </a:rPr>
+              <a:t>Following Week:</a:t>
+            </a:r>
+          </a:p>
+          <a:p>
             <a:r>
               <a:rPr lang="en-US" dirty="0">
                 <a:solidFill>
